--- a/SPRING BOOT PETSTORE.pptx
+++ b/SPRING BOOT PETSTORE.pptx
@@ -11,6 +11,7 @@
     <p:sldId id="258" r:id="rId5"/>
     <p:sldId id="259" r:id="rId6"/>
     <p:sldId id="260" r:id="rId7"/>
+    <p:sldId id="262" r:id="rId8"/>
   </p:sldIdLst>
   <p:sldSz cx="12192000" cy="6858000"/>
   <p:notesSz cx="6858000" cy="9144000"/>
@@ -109,6 +110,11 @@
       </a:defRPr>
     </a:lvl9pPr>
   </p:defaultTextStyle>
+  <p:extLst>
+    <p:ext uri="{EFAFB233-063F-42B5-8137-9DF3F51BA10A}">
+      <p15:sldGuideLst xmlns:p15="http://schemas.microsoft.com/office/powerpoint/2012/main"/>
+    </p:ext>
+  </p:extLst>
 </p:presentation>
 </file>
 
@@ -1110,6 +1116,13 @@
         </dgm:presLayoutVars>
       </dgm:prSet>
       <dgm:spPr/>
+      <dgm:t>
+        <a:bodyPr/>
+        <a:lstStyle/>
+        <a:p>
+          <a:endParaRPr lang="fr-FR"/>
+        </a:p>
+      </dgm:t>
     </dgm:pt>
     <dgm:pt modelId="{0F26F874-FF8C-4F66-850D-8B850BBBC3B2}" type="pres">
       <dgm:prSet presAssocID="{21DE8020-392A-4EA1-BA95-B179C6A9B7EE}" presName="vertOne" presStyleCnt="0"/>
@@ -1176,6 +1189,13 @@
         </dgm:presLayoutVars>
       </dgm:prSet>
       <dgm:spPr/>
+      <dgm:t>
+        <a:bodyPr/>
+        <a:lstStyle/>
+        <a:p>
+          <a:endParaRPr lang="fr-FR"/>
+        </a:p>
+      </dgm:t>
     </dgm:pt>
     <dgm:pt modelId="{DE74B3FE-EB0D-400D-A8AD-50E349ECDB02}" type="pres">
       <dgm:prSet presAssocID="{B1EB622E-6825-4204-BB1A-4E70FAD3C709}" presName="horzThree" presStyleCnt="0"/>
@@ -1223,6 +1243,13 @@
         </dgm:presLayoutVars>
       </dgm:prSet>
       <dgm:spPr/>
+      <dgm:t>
+        <a:bodyPr/>
+        <a:lstStyle/>
+        <a:p>
+          <a:endParaRPr lang="fr-FR"/>
+        </a:p>
+      </dgm:t>
     </dgm:pt>
     <dgm:pt modelId="{AA752827-CAE0-4195-9FCA-BFBC313D3097}" type="pres">
       <dgm:prSet presAssocID="{6320482F-429B-4D01-B2DC-81DE97070867}" presName="parTransTwo" presStyleCnt="0"/>
@@ -1243,6 +1270,13 @@
         </dgm:presLayoutVars>
       </dgm:prSet>
       <dgm:spPr/>
+      <dgm:t>
+        <a:bodyPr/>
+        <a:lstStyle/>
+        <a:p>
+          <a:endParaRPr lang="fr-FR"/>
+        </a:p>
+      </dgm:t>
     </dgm:pt>
     <dgm:pt modelId="{BF51A3A6-024E-463B-B2AA-E9E84E7182B5}" type="pres">
       <dgm:prSet presAssocID="{EA657119-9A7C-4AF2-A487-0DD470AFD318}" presName="horzThree" presStyleCnt="0"/>
@@ -7404,6 +7438,18 @@
               <a:rPr lang="fr-FR" dirty="0" err="1" smtClean="0"/>
               <a:t>Repository</a:t>
             </a:r>
+            <a:r>
+              <a:rPr lang="fr-FR" dirty="0" smtClean="0"/>
+              <a:t> (</a:t>
+            </a:r>
+            <a:r>
+              <a:rPr lang="fr-FR" dirty="0" err="1" smtClean="0"/>
+              <a:t>could</a:t>
+            </a:r>
+            <a:r>
+              <a:rPr lang="fr-FR" dirty="0" smtClean="0"/>
+              <a:t> have been CRUD)</a:t>
+            </a:r>
             <a:endParaRPr lang="fr-FR" dirty="0" smtClean="0"/>
           </a:p>
           <a:p>
@@ -7806,6 +7852,183 @@
     <p:extLst>
       <p:ext uri="{BB962C8B-B14F-4D97-AF65-F5344CB8AC3E}">
         <p14:creationId xmlns:p14="http://schemas.microsoft.com/office/powerpoint/2010/main" val="505245647"/>
+      </p:ext>
+    </p:extLst>
+  </p:cSld>
+  <p:clrMapOvr>
+    <a:masterClrMapping/>
+  </p:clrMapOvr>
+  <p:timing>
+    <p:tnLst>
+      <p:par>
+        <p:cTn id="1" dur="indefinite" restart="never" nodeType="tmRoot"/>
+      </p:par>
+    </p:tnLst>
+  </p:timing>
+</p:sld>
+</file>
+
+<file path=ppt/slides/slide7.xml><?xml version="1.0" encoding="utf-8"?>
+<p:sld xmlns:a="http://schemas.openxmlformats.org/drawingml/2006/main" xmlns:r="http://schemas.openxmlformats.org/officeDocument/2006/relationships" xmlns:p="http://schemas.openxmlformats.org/presentationml/2006/main">
+  <p:cSld>
+    <p:spTree>
+      <p:nvGrpSpPr>
+        <p:cNvPr id="1" name=""/>
+        <p:cNvGrpSpPr/>
+        <p:nvPr/>
+      </p:nvGrpSpPr>
+      <p:grpSpPr>
+        <a:xfrm>
+          <a:off x="0" y="0"/>
+          <a:ext cx="0" cy="0"/>
+          <a:chOff x="0" y="0"/>
+          <a:chExt cx="0" cy="0"/>
+        </a:xfrm>
+      </p:grpSpPr>
+      <p:sp>
+        <p:nvSpPr>
+          <p:cNvPr id="2" name="Title 1"/>
+          <p:cNvSpPr>
+            <a:spLocks noGrp="1"/>
+          </p:cNvSpPr>
+          <p:nvPr>
+            <p:ph type="title"/>
+          </p:nvPr>
+        </p:nvSpPr>
+        <p:spPr/>
+        <p:txBody>
+          <a:bodyPr/>
+          <a:lstStyle/>
+          <a:p>
+            <a:r>
+              <a:rPr lang="fr-FR" dirty="0" smtClean="0"/>
+              <a:t>TO BE CT’D</a:t>
+            </a:r>
+            <a:endParaRPr lang="fr-FR" dirty="0"/>
+          </a:p>
+        </p:txBody>
+      </p:sp>
+      <p:sp>
+        <p:nvSpPr>
+          <p:cNvPr id="3" name="Content Placeholder 2"/>
+          <p:cNvSpPr>
+            <a:spLocks noGrp="1"/>
+          </p:cNvSpPr>
+          <p:nvPr>
+            <p:ph idx="1"/>
+          </p:nvPr>
+        </p:nvSpPr>
+        <p:spPr/>
+        <p:txBody>
+          <a:bodyPr/>
+          <a:lstStyle/>
+          <a:p>
+            <a:r>
+              <a:rPr lang="fr-FR" dirty="0" smtClean="0"/>
+              <a:t>FRONTEND</a:t>
+            </a:r>
+          </a:p>
+          <a:p>
+            <a:pPr lvl="1"/>
+            <a:r>
+              <a:rPr lang="fr-FR" dirty="0" smtClean="0"/>
+              <a:t>- </a:t>
+            </a:r>
+            <a:r>
+              <a:rPr lang="fr-FR" dirty="0" err="1" smtClean="0"/>
+              <a:t>Angular</a:t>
+            </a:r>
+            <a:r>
+              <a:rPr lang="fr-FR" dirty="0" smtClean="0"/>
+              <a:t> 1.0/2.0 (bonus/</a:t>
+            </a:r>
+            <a:r>
+              <a:rPr lang="fr-FR" dirty="0" err="1" smtClean="0"/>
+              <a:t>onus</a:t>
+            </a:r>
+            <a:r>
+              <a:rPr lang="fr-FR" dirty="0" smtClean="0"/>
+              <a:t>)</a:t>
+            </a:r>
+          </a:p>
+          <a:p>
+            <a:pPr lvl="1"/>
+            <a:r>
+              <a:rPr lang="fr-FR" dirty="0" smtClean="0"/>
+              <a:t>- </a:t>
+            </a:r>
+            <a:r>
+              <a:rPr lang="fr-FR" dirty="0" err="1" smtClean="0"/>
+              <a:t>Thymeleaf</a:t>
+            </a:r>
+            <a:r>
+              <a:rPr lang="fr-FR" dirty="0" smtClean="0"/>
+              <a:t> (</a:t>
+            </a:r>
+            <a:r>
+              <a:rPr lang="fr-FR" dirty="0" err="1" smtClean="0"/>
+              <a:t>outdated</a:t>
+            </a:r>
+            <a:r>
+              <a:rPr lang="fr-FR" smtClean="0"/>
+              <a:t>?) defined</a:t>
+            </a:r>
+            <a:r>
+              <a:rPr lang="fr-FR" dirty="0" smtClean="0"/>
+              <a:t> </a:t>
+            </a:r>
+            <a:r>
+              <a:rPr lang="fr-FR" dirty="0"/>
+              <a:t>in </a:t>
+            </a:r>
+            <a:r>
+              <a:rPr lang="fr-FR" dirty="0" smtClean="0"/>
+              <a:t>MVCConfig.java</a:t>
+            </a:r>
+          </a:p>
+          <a:p>
+            <a:pPr lvl="1"/>
+            <a:r>
+              <a:rPr lang="fr-FR" dirty="0" smtClean="0"/>
+              <a:t>- </a:t>
+            </a:r>
+            <a:r>
+              <a:rPr lang="fr-FR" dirty="0" err="1" smtClean="0"/>
+              <a:t>Bootstrap</a:t>
+            </a:r>
+            <a:r>
+              <a:rPr lang="fr-FR" dirty="0" smtClean="0"/>
+              <a:t>/</a:t>
+            </a:r>
+            <a:r>
+              <a:rPr lang="fr-FR" dirty="0" err="1" smtClean="0"/>
+              <a:t>Foundation</a:t>
+            </a:r>
+            <a:r>
+              <a:rPr lang="fr-FR" dirty="0" smtClean="0"/>
+              <a:t> (responsive)</a:t>
+            </a:r>
+          </a:p>
+          <a:p>
+            <a:pPr lvl="1"/>
+            <a:endParaRPr lang="fr-FR" dirty="0"/>
+          </a:p>
+          <a:p>
+            <a:pPr marL="201168" lvl="1" indent="0">
+              <a:buNone/>
+            </a:pPr>
+            <a:r>
+              <a:rPr lang="fr-FR" dirty="0" smtClean="0"/>
+              <a:t>Questions ?</a:t>
+            </a:r>
+            <a:endParaRPr lang="fr-FR" dirty="0"/>
+          </a:p>
+        </p:txBody>
+      </p:sp>
+    </p:spTree>
+    <p:extLst>
+      <p:ext uri="{BB962C8B-B14F-4D97-AF65-F5344CB8AC3E}">
+        <p14:creationId xmlns:p14="http://schemas.microsoft.com/office/powerpoint/2010/main" val="2323986416"/>
       </p:ext>
     </p:extLst>
   </p:cSld>

--- a/SPRING BOOT PETSTORE.pptx
+++ b/SPRING BOOT PETSTORE.pptx
@@ -1339,484 +1339,6 @@
       <dsp:cNvGrpSpPr/>
     </dsp:nvGrpSpPr>
     <dsp:grpSpPr/>
-    <dsp:sp modelId="{ACD97CF9-61BF-4D9A-A622-64860BF714DF}">
-      <dsp:nvSpPr>
-        <dsp:cNvPr id="0" name=""/>
-        <dsp:cNvSpPr/>
-      </dsp:nvSpPr>
-      <dsp:spPr>
-        <a:xfrm>
-          <a:off x="1154" y="1230"/>
-          <a:ext cx="10056091" cy="1225674"/>
-        </a:xfrm>
-        <a:prstGeom prst="roundRect">
-          <a:avLst>
-            <a:gd name="adj" fmla="val 10000"/>
-          </a:avLst>
-        </a:prstGeom>
-        <a:solidFill>
-          <a:schemeClr val="accent1">
-            <a:hueOff val="0"/>
-            <a:satOff val="0"/>
-            <a:lumOff val="0"/>
-            <a:alphaOff val="0"/>
-          </a:schemeClr>
-        </a:solidFill>
-        <a:ln w="15875" cap="flat" cmpd="sng" algn="ctr">
-          <a:solidFill>
-            <a:schemeClr val="lt1">
-              <a:hueOff val="0"/>
-              <a:satOff val="0"/>
-              <a:lumOff val="0"/>
-              <a:alphaOff val="0"/>
-            </a:schemeClr>
-          </a:solidFill>
-          <a:prstDash val="solid"/>
-        </a:ln>
-        <a:effectLst/>
-      </dsp:spPr>
-      <dsp:style>
-        <a:lnRef idx="2">
-          <a:scrgbClr r="0" g="0" b="0"/>
-        </a:lnRef>
-        <a:fillRef idx="1">
-          <a:scrgbClr r="0" g="0" b="0"/>
-        </a:fillRef>
-        <a:effectRef idx="0">
-          <a:scrgbClr r="0" g="0" b="0"/>
-        </a:effectRef>
-        <a:fontRef idx="minor">
-          <a:schemeClr val="lt1"/>
-        </a:fontRef>
-      </dsp:style>
-      <dsp:txBody>
-        <a:bodyPr spcFirstLastPara="0" vert="horz" wrap="square" lIns="201930" tIns="201930" rIns="201930" bIns="201930" numCol="1" spcCol="1270" anchor="ctr" anchorCtr="0">
-          <a:noAutofit/>
-        </a:bodyPr>
-        <a:lstStyle/>
-        <a:p>
-          <a:pPr lvl="0" algn="ctr" defTabSz="2355850">
-            <a:lnSpc>
-              <a:spcPct val="90000"/>
-            </a:lnSpc>
-            <a:spcBef>
-              <a:spcPct val="0"/>
-            </a:spcBef>
-            <a:spcAft>
-              <a:spcPct val="35000"/>
-            </a:spcAft>
-          </a:pPr>
-          <a:r>
-            <a:rPr lang="fr-FR" sz="5300" kern="1200" dirty="0" smtClean="0"/>
-            <a:t>Controller</a:t>
-          </a:r>
-          <a:endParaRPr lang="fr-FR" sz="5300" kern="1200" dirty="0"/>
-        </a:p>
-      </dsp:txBody>
-      <dsp:txXfrm>
-        <a:off x="37053" y="37129"/>
-        <a:ext cx="9984293" cy="1153876"/>
-      </dsp:txXfrm>
-    </dsp:sp>
-    <dsp:sp modelId="{7B8ACB06-C2BC-47B9-8504-5549C2B0D008}">
-      <dsp:nvSpPr>
-        <dsp:cNvPr id="0" name=""/>
-        <dsp:cNvSpPr/>
-      </dsp:nvSpPr>
-      <dsp:spPr>
-        <a:xfrm>
-          <a:off x="1154" y="1398525"/>
-          <a:ext cx="6568950" cy="1225674"/>
-        </a:xfrm>
-        <a:prstGeom prst="roundRect">
-          <a:avLst>
-            <a:gd name="adj" fmla="val 10000"/>
-          </a:avLst>
-        </a:prstGeom>
-        <a:solidFill>
-          <a:schemeClr val="accent1">
-            <a:hueOff val="0"/>
-            <a:satOff val="0"/>
-            <a:lumOff val="0"/>
-            <a:alphaOff val="0"/>
-          </a:schemeClr>
-        </a:solidFill>
-        <a:ln w="15875" cap="flat" cmpd="sng" algn="ctr">
-          <a:solidFill>
-            <a:schemeClr val="lt1">
-              <a:hueOff val="0"/>
-              <a:satOff val="0"/>
-              <a:lumOff val="0"/>
-              <a:alphaOff val="0"/>
-            </a:schemeClr>
-          </a:solidFill>
-          <a:prstDash val="solid"/>
-        </a:ln>
-        <a:effectLst/>
-      </dsp:spPr>
-      <dsp:style>
-        <a:lnRef idx="2">
-          <a:scrgbClr r="0" g="0" b="0"/>
-        </a:lnRef>
-        <a:fillRef idx="1">
-          <a:scrgbClr r="0" g="0" b="0"/>
-        </a:fillRef>
-        <a:effectRef idx="0">
-          <a:scrgbClr r="0" g="0" b="0"/>
-        </a:effectRef>
-        <a:fontRef idx="minor">
-          <a:schemeClr val="lt1"/>
-        </a:fontRef>
-      </dsp:style>
-      <dsp:txBody>
-        <a:bodyPr spcFirstLastPara="0" vert="horz" wrap="square" lIns="201930" tIns="201930" rIns="201930" bIns="201930" numCol="1" spcCol="1270" anchor="ctr" anchorCtr="0">
-          <a:noAutofit/>
-        </a:bodyPr>
-        <a:lstStyle/>
-        <a:p>
-          <a:pPr lvl="0" algn="ctr" defTabSz="2355850">
-            <a:lnSpc>
-              <a:spcPct val="90000"/>
-            </a:lnSpc>
-            <a:spcBef>
-              <a:spcPct val="0"/>
-            </a:spcBef>
-            <a:spcAft>
-              <a:spcPct val="35000"/>
-            </a:spcAft>
-          </a:pPr>
-          <a:r>
-            <a:rPr lang="fr-FR" sz="5300" kern="1200" dirty="0" smtClean="0"/>
-            <a:t>JPA/</a:t>
-          </a:r>
-          <a:r>
-            <a:rPr lang="fr-FR" sz="5300" kern="1200" dirty="0" err="1" smtClean="0"/>
-            <a:t>Hibernate</a:t>
-          </a:r>
-          <a:endParaRPr lang="fr-FR" sz="5300" kern="1200" dirty="0"/>
-        </a:p>
-      </dsp:txBody>
-      <dsp:txXfrm>
-        <a:off x="37053" y="1434424"/>
-        <a:ext cx="6497152" cy="1153876"/>
-      </dsp:txXfrm>
-    </dsp:sp>
-    <dsp:sp modelId="{49818D53-A5AC-4442-8785-3D879275AD84}">
-      <dsp:nvSpPr>
-        <dsp:cNvPr id="0" name=""/>
-        <dsp:cNvSpPr/>
-      </dsp:nvSpPr>
-      <dsp:spPr>
-        <a:xfrm>
-          <a:off x="1154" y="2795820"/>
-          <a:ext cx="3216919" cy="1225674"/>
-        </a:xfrm>
-        <a:prstGeom prst="roundRect">
-          <a:avLst>
-            <a:gd name="adj" fmla="val 10000"/>
-          </a:avLst>
-        </a:prstGeom>
-        <a:solidFill>
-          <a:schemeClr val="accent1">
-            <a:hueOff val="0"/>
-            <a:satOff val="0"/>
-            <a:lumOff val="0"/>
-            <a:alphaOff val="0"/>
-          </a:schemeClr>
-        </a:solidFill>
-        <a:ln w="15875" cap="flat" cmpd="sng" algn="ctr">
-          <a:solidFill>
-            <a:schemeClr val="lt1">
-              <a:hueOff val="0"/>
-              <a:satOff val="0"/>
-              <a:lumOff val="0"/>
-              <a:alphaOff val="0"/>
-            </a:schemeClr>
-          </a:solidFill>
-          <a:prstDash val="solid"/>
-        </a:ln>
-        <a:effectLst/>
-      </dsp:spPr>
-      <dsp:style>
-        <a:lnRef idx="2">
-          <a:scrgbClr r="0" g="0" b="0"/>
-        </a:lnRef>
-        <a:fillRef idx="1">
-          <a:scrgbClr r="0" g="0" b="0"/>
-        </a:fillRef>
-        <a:effectRef idx="0">
-          <a:scrgbClr r="0" g="0" b="0"/>
-        </a:effectRef>
-        <a:fontRef idx="minor">
-          <a:schemeClr val="lt1"/>
-        </a:fontRef>
-      </dsp:style>
-      <dsp:txBody>
-        <a:bodyPr spcFirstLastPara="0" vert="horz" wrap="square" lIns="171450" tIns="171450" rIns="171450" bIns="171450" numCol="1" spcCol="1270" anchor="ctr" anchorCtr="0">
-          <a:noAutofit/>
-        </a:bodyPr>
-        <a:lstStyle/>
-        <a:p>
-          <a:pPr lvl="0" algn="ctr" defTabSz="2000250">
-            <a:lnSpc>
-              <a:spcPct val="90000"/>
-            </a:lnSpc>
-            <a:spcBef>
-              <a:spcPct val="0"/>
-            </a:spcBef>
-            <a:spcAft>
-              <a:spcPct val="35000"/>
-            </a:spcAft>
-          </a:pPr>
-          <a:r>
-            <a:rPr lang="fr-FR" sz="4500" kern="1200" dirty="0" smtClean="0"/>
-            <a:t>MySQL</a:t>
-          </a:r>
-          <a:endParaRPr lang="fr-FR" sz="4500" kern="1200" dirty="0"/>
-        </a:p>
-      </dsp:txBody>
-      <dsp:txXfrm>
-        <a:off x="37053" y="2831719"/>
-        <a:ext cx="3145121" cy="1153876"/>
-      </dsp:txXfrm>
-    </dsp:sp>
-    <dsp:sp modelId="{3B0526D5-E47F-4D07-BDDE-4523786ED4F6}">
-      <dsp:nvSpPr>
-        <dsp:cNvPr id="0" name=""/>
-        <dsp:cNvSpPr/>
-      </dsp:nvSpPr>
-      <dsp:spPr>
-        <a:xfrm>
-          <a:off x="3353184" y="2795820"/>
-          <a:ext cx="3216919" cy="1225674"/>
-        </a:xfrm>
-        <a:prstGeom prst="roundRect">
-          <a:avLst>
-            <a:gd name="adj" fmla="val 10000"/>
-          </a:avLst>
-        </a:prstGeom>
-        <a:solidFill>
-          <a:schemeClr val="accent1">
-            <a:hueOff val="0"/>
-            <a:satOff val="0"/>
-            <a:lumOff val="0"/>
-            <a:alphaOff val="0"/>
-          </a:schemeClr>
-        </a:solidFill>
-        <a:ln w="15875" cap="flat" cmpd="sng" algn="ctr">
-          <a:solidFill>
-            <a:schemeClr val="lt1">
-              <a:hueOff val="0"/>
-              <a:satOff val="0"/>
-              <a:lumOff val="0"/>
-              <a:alphaOff val="0"/>
-            </a:schemeClr>
-          </a:solidFill>
-          <a:prstDash val="solid"/>
-        </a:ln>
-        <a:effectLst/>
-      </dsp:spPr>
-      <dsp:style>
-        <a:lnRef idx="2">
-          <a:scrgbClr r="0" g="0" b="0"/>
-        </a:lnRef>
-        <a:fillRef idx="1">
-          <a:scrgbClr r="0" g="0" b="0"/>
-        </a:fillRef>
-        <a:effectRef idx="0">
-          <a:scrgbClr r="0" g="0" b="0"/>
-        </a:effectRef>
-        <a:fontRef idx="minor">
-          <a:schemeClr val="lt1"/>
-        </a:fontRef>
-      </dsp:style>
-      <dsp:txBody>
-        <a:bodyPr spcFirstLastPara="0" vert="horz" wrap="square" lIns="171450" tIns="171450" rIns="171450" bIns="171450" numCol="1" spcCol="1270" anchor="ctr" anchorCtr="0">
-          <a:noAutofit/>
-        </a:bodyPr>
-        <a:lstStyle/>
-        <a:p>
-          <a:pPr lvl="0" algn="ctr" defTabSz="2000250">
-            <a:lnSpc>
-              <a:spcPct val="90000"/>
-            </a:lnSpc>
-            <a:spcBef>
-              <a:spcPct val="0"/>
-            </a:spcBef>
-            <a:spcAft>
-              <a:spcPct val="35000"/>
-            </a:spcAft>
-          </a:pPr>
-          <a:r>
-            <a:rPr lang="fr-FR" sz="4500" kern="1200" dirty="0" smtClean="0"/>
-            <a:t>PostgreSQL</a:t>
-          </a:r>
-          <a:endParaRPr lang="fr-FR" sz="4500" kern="1200" dirty="0"/>
-        </a:p>
-      </dsp:txBody>
-      <dsp:txXfrm>
-        <a:off x="3389083" y="2831719"/>
-        <a:ext cx="3145121" cy="1153876"/>
-      </dsp:txXfrm>
-    </dsp:sp>
-    <dsp:sp modelId="{791C9924-7082-44A0-A5BB-2D07CC77A77F}">
-      <dsp:nvSpPr>
-        <dsp:cNvPr id="0" name=""/>
-        <dsp:cNvSpPr/>
-      </dsp:nvSpPr>
-      <dsp:spPr>
-        <a:xfrm>
-          <a:off x="6840325" y="1398525"/>
-          <a:ext cx="3216919" cy="1225674"/>
-        </a:xfrm>
-        <a:prstGeom prst="roundRect">
-          <a:avLst>
-            <a:gd name="adj" fmla="val 10000"/>
-          </a:avLst>
-        </a:prstGeom>
-        <a:solidFill>
-          <a:schemeClr val="accent1">
-            <a:hueOff val="0"/>
-            <a:satOff val="0"/>
-            <a:lumOff val="0"/>
-            <a:alphaOff val="0"/>
-          </a:schemeClr>
-        </a:solidFill>
-        <a:ln w="15875" cap="flat" cmpd="sng" algn="ctr">
-          <a:solidFill>
-            <a:schemeClr val="lt1">
-              <a:hueOff val="0"/>
-              <a:satOff val="0"/>
-              <a:lumOff val="0"/>
-              <a:alphaOff val="0"/>
-            </a:schemeClr>
-          </a:solidFill>
-          <a:prstDash val="solid"/>
-        </a:ln>
-        <a:effectLst/>
-      </dsp:spPr>
-      <dsp:style>
-        <a:lnRef idx="2">
-          <a:scrgbClr r="0" g="0" b="0"/>
-        </a:lnRef>
-        <a:fillRef idx="1">
-          <a:scrgbClr r="0" g="0" b="0"/>
-        </a:fillRef>
-        <a:effectRef idx="0">
-          <a:scrgbClr r="0" g="0" b="0"/>
-        </a:effectRef>
-        <a:fontRef idx="minor">
-          <a:schemeClr val="lt1"/>
-        </a:fontRef>
-      </dsp:style>
-      <dsp:txBody>
-        <a:bodyPr spcFirstLastPara="0" vert="horz" wrap="square" lIns="201930" tIns="201930" rIns="201930" bIns="201930" numCol="1" spcCol="1270" anchor="ctr" anchorCtr="0">
-          <a:noAutofit/>
-        </a:bodyPr>
-        <a:lstStyle/>
-        <a:p>
-          <a:pPr lvl="0" algn="ctr" defTabSz="2355850">
-            <a:lnSpc>
-              <a:spcPct val="90000"/>
-            </a:lnSpc>
-            <a:spcBef>
-              <a:spcPct val="0"/>
-            </a:spcBef>
-            <a:spcAft>
-              <a:spcPct val="35000"/>
-            </a:spcAft>
-          </a:pPr>
-          <a:r>
-            <a:rPr lang="fr-FR" sz="5300" kern="1200" dirty="0" smtClean="0"/>
-            <a:t>Service</a:t>
-          </a:r>
-          <a:endParaRPr lang="fr-FR" sz="5300" kern="1200" dirty="0"/>
-        </a:p>
-      </dsp:txBody>
-      <dsp:txXfrm>
-        <a:off x="6876224" y="1434424"/>
-        <a:ext cx="3145121" cy="1153876"/>
-      </dsp:txXfrm>
-    </dsp:sp>
-    <dsp:sp modelId="{20AB3CC8-2370-4A15-8141-D363020A1B68}">
-      <dsp:nvSpPr>
-        <dsp:cNvPr id="0" name=""/>
-        <dsp:cNvSpPr/>
-      </dsp:nvSpPr>
-      <dsp:spPr>
-        <a:xfrm>
-          <a:off x="6840325" y="2795820"/>
-          <a:ext cx="3216919" cy="1225674"/>
-        </a:xfrm>
-        <a:prstGeom prst="roundRect">
-          <a:avLst>
-            <a:gd name="adj" fmla="val 10000"/>
-          </a:avLst>
-        </a:prstGeom>
-        <a:solidFill>
-          <a:schemeClr val="accent1">
-            <a:hueOff val="0"/>
-            <a:satOff val="0"/>
-            <a:lumOff val="0"/>
-            <a:alphaOff val="0"/>
-          </a:schemeClr>
-        </a:solidFill>
-        <a:ln w="15875" cap="flat" cmpd="sng" algn="ctr">
-          <a:solidFill>
-            <a:schemeClr val="lt1">
-              <a:hueOff val="0"/>
-              <a:satOff val="0"/>
-              <a:lumOff val="0"/>
-              <a:alphaOff val="0"/>
-            </a:schemeClr>
-          </a:solidFill>
-          <a:prstDash val="solid"/>
-        </a:ln>
-        <a:effectLst/>
-      </dsp:spPr>
-      <dsp:style>
-        <a:lnRef idx="2">
-          <a:scrgbClr r="0" g="0" b="0"/>
-        </a:lnRef>
-        <a:fillRef idx="1">
-          <a:scrgbClr r="0" g="0" b="0"/>
-        </a:fillRef>
-        <a:effectRef idx="0">
-          <a:scrgbClr r="0" g="0" b="0"/>
-        </a:effectRef>
-        <a:fontRef idx="minor">
-          <a:schemeClr val="lt1"/>
-        </a:fontRef>
-      </dsp:style>
-      <dsp:txBody>
-        <a:bodyPr spcFirstLastPara="0" vert="horz" wrap="square" lIns="171450" tIns="171450" rIns="171450" bIns="171450" numCol="1" spcCol="1270" anchor="ctr" anchorCtr="0">
-          <a:noAutofit/>
-        </a:bodyPr>
-        <a:lstStyle/>
-        <a:p>
-          <a:pPr lvl="0" algn="ctr" defTabSz="2000250">
-            <a:lnSpc>
-              <a:spcPct val="90000"/>
-            </a:lnSpc>
-            <a:spcBef>
-              <a:spcPct val="0"/>
-            </a:spcBef>
-            <a:spcAft>
-              <a:spcPct val="35000"/>
-            </a:spcAft>
-          </a:pPr>
-          <a:r>
-            <a:rPr lang="fr-FR" sz="4500" kern="1200" dirty="0" smtClean="0"/>
-            <a:t>DB</a:t>
-          </a:r>
-          <a:endParaRPr lang="fr-FR" sz="4500" kern="1200" dirty="0"/>
-        </a:p>
-      </dsp:txBody>
-      <dsp:txXfrm>
-        <a:off x="6876224" y="2831719"/>
-        <a:ext cx="3145121" cy="1153876"/>
-      </dsp:txXfrm>
-    </dsp:sp>
   </dsp:spTree>
 </dsp:drawing>
 </file>
@@ -7450,7 +6972,6 @@
               <a:rPr lang="fr-FR" dirty="0" smtClean="0"/>
               <a:t> have been CRUD)</a:t>
             </a:r>
-            <a:endParaRPr lang="fr-FR" dirty="0" smtClean="0"/>
           </a:p>
           <a:p>
             <a:pPr lvl="1"/>
@@ -7940,16 +7461,21 @@
             </a:r>
             <a:r>
               <a:rPr lang="fr-FR" dirty="0" smtClean="0"/>
-              <a:t> 1.0/2.0 (bonus/</a:t>
+              <a:t> 1.0/2.0 (</a:t>
+            </a:r>
+            <a:r>
+              <a:rPr lang="fr-FR" dirty="0" smtClean="0"/>
+              <a:t>bonus/</a:t>
             </a:r>
             <a:r>
               <a:rPr lang="fr-FR" dirty="0" err="1" smtClean="0"/>
               <a:t>onus</a:t>
             </a:r>
             <a:r>
-              <a:rPr lang="fr-FR" dirty="0" smtClean="0"/>
-              <a:t>)</a:t>
-            </a:r>
+              <a:rPr lang="fr-FR" smtClean="0"/>
+              <a:t> AJAX/JSON)</a:t>
+            </a:r>
+            <a:endParaRPr lang="fr-FR" dirty="0" smtClean="0"/>
           </a:p>
           <a:p>
             <a:pPr lvl="1"/>
@@ -7970,8 +7496,12 @@
               <a:t>outdated</a:t>
             </a:r>
             <a:r>
-              <a:rPr lang="fr-FR" smtClean="0"/>
-              <a:t>?) defined</a:t>
+              <a:rPr lang="fr-FR" dirty="0" smtClean="0"/>
+              <a:t>?) </a:t>
+            </a:r>
+            <a:r>
+              <a:rPr lang="fr-FR" dirty="0" err="1" smtClean="0"/>
+              <a:t>defined</a:t>
             </a:r>
             <a:r>
               <a:rPr lang="fr-FR" dirty="0" smtClean="0"/>
